--- a/Slides/WekaSlides.pptx
+++ b/Slides/WekaSlides.pptx
@@ -112,6 +112,11 @@
       </a:defRPr>
     </a:lvl9pPr>
   </p:defaultTextStyle>
+  <p:extLst>
+    <p:ext uri="{EFAFB233-063F-42B5-8137-9DF3F51BA10A}">
+      <p15:sldGuideLst xmlns:p15="http://schemas.microsoft.com/office/powerpoint/2012/main"/>
+    </p:ext>
+  </p:extLst>
 </p:presentation>
 </file>
 
@@ -3534,6 +3539,13 @@
             </a:r>
           </a:p>
           <a:p>
+            <a:pPr lvl="1"/>
+            <a:r>
+              <a:rPr lang="en-US" dirty="0"/>
+              <a:t>Set the consequent to the Injury Type which outputs Confidence only</a:t>
+            </a:r>
+          </a:p>
+          <a:p>
             <a:endParaRPr lang="en-US" dirty="0"/>
           </a:p>
           <a:p>
@@ -3697,8 +3709,8 @@
         </p:nvSpPr>
         <p:spPr>
           <a:xfrm>
-            <a:off x="838200" y="1359017"/>
-            <a:ext cx="10515600" cy="4817946"/>
+            <a:off x="838200" y="1359016"/>
+            <a:ext cx="10515600" cy="5142451"/>
           </a:xfrm>
         </p:spPr>
         <p:txBody>
@@ -3713,10 +3725,21 @@
             </a:r>
           </a:p>
           <a:p>
+            <a:pPr lvl="1"/>
+            <a:r>
+              <a:rPr lang="en-US" sz="2000" dirty="0"/>
+              <a:t>Crashing into an animal always resulted in a Fatal injury</a:t>
+            </a:r>
+          </a:p>
+          <a:p>
             <a:r>
               <a:rPr lang="en-US" sz="2400" dirty="0"/>
               <a:t>PRIM_CONTRIBUTORY_CAUSE=OPERATING VEHICLE IN ERRATIC, RECKLESS, CARELESS, NEGLIGENT OR AGGRESSIVE MANNER POSTED_SPEED_LIMIT=SPEED LIMIT 15 DEVICE_CONDITION=NO CONTROLS FIRST_CRASH_TYPE=PEDESTRIAN 2 ==&gt; MOST_SEVERE_INJURY=INCAPACITATING INJURY</a:t>
             </a:r>
+          </a:p>
+          <a:p>
+            <a:pPr lvl="1"/>
+            <a:endParaRPr lang="en-US" sz="2000" dirty="0"/>
           </a:p>
           <a:p>
             <a:r>

--- a/Slides/WekaSlides.pptx
+++ b/Slides/WekaSlides.pptx
@@ -9,11 +9,18 @@
     <p:sldId id="257" r:id="rId3"/>
     <p:sldId id="258" r:id="rId4"/>
     <p:sldId id="259" r:id="rId5"/>
-    <p:sldId id="260" r:id="rId6"/>
-    <p:sldId id="261" r:id="rId7"/>
-    <p:sldId id="262" r:id="rId8"/>
-    <p:sldId id="263" r:id="rId9"/>
-    <p:sldId id="264" r:id="rId10"/>
+    <p:sldId id="265" r:id="rId6"/>
+    <p:sldId id="260" r:id="rId7"/>
+    <p:sldId id="261" r:id="rId8"/>
+    <p:sldId id="262" r:id="rId9"/>
+    <p:sldId id="263" r:id="rId10"/>
+    <p:sldId id="264" r:id="rId11"/>
+    <p:sldId id="266" r:id="rId12"/>
+    <p:sldId id="267" r:id="rId13"/>
+    <p:sldId id="268" r:id="rId14"/>
+    <p:sldId id="269" r:id="rId15"/>
+    <p:sldId id="270" r:id="rId16"/>
+    <p:sldId id="271" r:id="rId17"/>
   </p:sldIdLst>
   <p:sldSz cx="12192000" cy="6858000"/>
   <p:notesSz cx="6858000" cy="9144000"/>
@@ -267,7 +274,7 @@
           <a:p>
             <a:fld id="{679C5861-3D33-4114-B862-03C5384013CF}" type="datetimeFigureOut">
               <a:rPr lang="en-US" smtClean="0"/>
-              <a:t>12/2/2018</a:t>
+              <a:t>12/3/2018</a:t>
             </a:fld>
             <a:endParaRPr lang="en-US"/>
           </a:p>
@@ -465,7 +472,7 @@
           <a:p>
             <a:fld id="{679C5861-3D33-4114-B862-03C5384013CF}" type="datetimeFigureOut">
               <a:rPr lang="en-US" smtClean="0"/>
-              <a:t>12/2/2018</a:t>
+              <a:t>12/3/2018</a:t>
             </a:fld>
             <a:endParaRPr lang="en-US"/>
           </a:p>
@@ -673,7 +680,7 @@
           <a:p>
             <a:fld id="{679C5861-3D33-4114-B862-03C5384013CF}" type="datetimeFigureOut">
               <a:rPr lang="en-US" smtClean="0"/>
-              <a:t>12/2/2018</a:t>
+              <a:t>12/3/2018</a:t>
             </a:fld>
             <a:endParaRPr lang="en-US"/>
           </a:p>
@@ -871,7 +878,7 @@
           <a:p>
             <a:fld id="{679C5861-3D33-4114-B862-03C5384013CF}" type="datetimeFigureOut">
               <a:rPr lang="en-US" smtClean="0"/>
-              <a:t>12/2/2018</a:t>
+              <a:t>12/3/2018</a:t>
             </a:fld>
             <a:endParaRPr lang="en-US"/>
           </a:p>
@@ -1146,7 +1153,7 @@
           <a:p>
             <a:fld id="{679C5861-3D33-4114-B862-03C5384013CF}" type="datetimeFigureOut">
               <a:rPr lang="en-US" smtClean="0"/>
-              <a:t>12/2/2018</a:t>
+              <a:t>12/3/2018</a:t>
             </a:fld>
             <a:endParaRPr lang="en-US"/>
           </a:p>
@@ -1411,7 +1418,7 @@
           <a:p>
             <a:fld id="{679C5861-3D33-4114-B862-03C5384013CF}" type="datetimeFigureOut">
               <a:rPr lang="en-US" smtClean="0"/>
-              <a:t>12/2/2018</a:t>
+              <a:t>12/3/2018</a:t>
             </a:fld>
             <a:endParaRPr lang="en-US"/>
           </a:p>
@@ -1823,7 +1830,7 @@
           <a:p>
             <a:fld id="{679C5861-3D33-4114-B862-03C5384013CF}" type="datetimeFigureOut">
               <a:rPr lang="en-US" smtClean="0"/>
-              <a:t>12/2/2018</a:t>
+              <a:t>12/3/2018</a:t>
             </a:fld>
             <a:endParaRPr lang="en-US"/>
           </a:p>
@@ -1964,7 +1971,7 @@
           <a:p>
             <a:fld id="{679C5861-3D33-4114-B862-03C5384013CF}" type="datetimeFigureOut">
               <a:rPr lang="en-US" smtClean="0"/>
-              <a:t>12/2/2018</a:t>
+              <a:t>12/3/2018</a:t>
             </a:fld>
             <a:endParaRPr lang="en-US"/>
           </a:p>
@@ -2077,7 +2084,7 @@
           <a:p>
             <a:fld id="{679C5861-3D33-4114-B862-03C5384013CF}" type="datetimeFigureOut">
               <a:rPr lang="en-US" smtClean="0"/>
-              <a:t>12/2/2018</a:t>
+              <a:t>12/3/2018</a:t>
             </a:fld>
             <a:endParaRPr lang="en-US"/>
           </a:p>
@@ -2388,7 +2395,7 @@
           <a:p>
             <a:fld id="{679C5861-3D33-4114-B862-03C5384013CF}" type="datetimeFigureOut">
               <a:rPr lang="en-US" smtClean="0"/>
-              <a:t>12/2/2018</a:t>
+              <a:t>12/3/2018</a:t>
             </a:fld>
             <a:endParaRPr lang="en-US"/>
           </a:p>
@@ -2676,7 +2683,7 @@
           <a:p>
             <a:fld id="{679C5861-3D33-4114-B862-03C5384013CF}" type="datetimeFigureOut">
               <a:rPr lang="en-US" smtClean="0"/>
-              <a:t>12/2/2018</a:t>
+              <a:t>12/3/2018</a:t>
             </a:fld>
             <a:endParaRPr lang="en-US"/>
           </a:p>
@@ -2917,7 +2924,7 @@
           <a:p>
             <a:fld id="{679C5861-3D33-4114-B862-03C5384013CF}" type="datetimeFigureOut">
               <a:rPr lang="en-US" smtClean="0"/>
-              <a:t>12/2/2018</a:t>
+              <a:t>12/3/2018</a:t>
             </a:fld>
             <a:endParaRPr lang="en-US"/>
           </a:p>
@@ -3438,6 +3445,914 @@
 </p:sld>
 </file>
 
+<file path=ppt/slides/slide10.xml><?xml version="1.0" encoding="utf-8"?>
+<p:sld xmlns:a="http://schemas.openxmlformats.org/drawingml/2006/main" xmlns:r="http://schemas.openxmlformats.org/officeDocument/2006/relationships" xmlns:p="http://schemas.openxmlformats.org/presentationml/2006/main">
+  <p:cSld>
+    <p:spTree>
+      <p:nvGrpSpPr>
+        <p:cNvPr id="1" name=""/>
+        <p:cNvGrpSpPr/>
+        <p:nvPr/>
+      </p:nvGrpSpPr>
+      <p:grpSpPr>
+        <a:xfrm>
+          <a:off x="0" y="0"/>
+          <a:ext cx="0" cy="0"/>
+          <a:chOff x="0" y="0"/>
+          <a:chExt cx="0" cy="0"/>
+        </a:xfrm>
+      </p:grpSpPr>
+      <p:sp>
+        <p:nvSpPr>
+          <p:cNvPr id="3" name="Content Placeholder 2">
+            <a:extLst>
+              <a:ext uri="{FF2B5EF4-FFF2-40B4-BE49-F238E27FC236}">
+                <a16:creationId xmlns:a16="http://schemas.microsoft.com/office/drawing/2014/main" id="{D9ADE2EA-0415-443D-B9D8-7FE5B3A9A82F}"/>
+              </a:ext>
+            </a:extLst>
+          </p:cNvPr>
+          <p:cNvSpPr>
+            <a:spLocks noGrp="1"/>
+          </p:cNvSpPr>
+          <p:nvPr>
+            <p:ph idx="1"/>
+          </p:nvPr>
+        </p:nvSpPr>
+        <p:spPr/>
+        <p:txBody>
+          <a:bodyPr/>
+          <a:lstStyle/>
+          <a:p>
+            <a:r>
+              <a:rPr lang="en-US" dirty="0"/>
+              <a:t>Random Forest</a:t>
+            </a:r>
+          </a:p>
+          <a:p>
+            <a:pPr lvl="1"/>
+            <a:r>
+              <a:rPr lang="en-US" dirty="0"/>
+              <a:t>99.2% correct classified, .07% incorrectly classified</a:t>
+            </a:r>
+          </a:p>
+          <a:p>
+            <a:pPr lvl="1"/>
+            <a:r>
+              <a:rPr lang="en-US" dirty="0"/>
+              <a:t>Precision = . 993</a:t>
+            </a:r>
+          </a:p>
+          <a:p>
+            <a:pPr lvl="1"/>
+            <a:r>
+              <a:rPr lang="en-US" dirty="0"/>
+              <a:t>Recall = .993</a:t>
+            </a:r>
+          </a:p>
+          <a:p>
+            <a:pPr lvl="1"/>
+            <a:r>
+              <a:rPr lang="en-US" dirty="0"/>
+              <a:t>F Measure = .993</a:t>
+            </a:r>
+          </a:p>
+          <a:p>
+            <a:pPr lvl="1"/>
+            <a:r>
+              <a:rPr lang="en-US" dirty="0"/>
+              <a:t>18 seconds to build model</a:t>
+            </a:r>
+          </a:p>
+          <a:p>
+            <a:pPr lvl="1"/>
+            <a:r>
+              <a:rPr lang="en-US" dirty="0"/>
+              <a:t>About 3 minutes to classify</a:t>
+            </a:r>
+          </a:p>
+          <a:p>
+            <a:pPr lvl="1"/>
+            <a:r>
+              <a:rPr lang="en-US" dirty="0"/>
+              <a:t>Excellent!</a:t>
+            </a:r>
+          </a:p>
+          <a:p>
+            <a:endParaRPr lang="en-US" dirty="0"/>
+          </a:p>
+        </p:txBody>
+      </p:sp>
+      <p:sp>
+        <p:nvSpPr>
+          <p:cNvPr id="4" name="Title 1">
+            <a:extLst>
+              <a:ext uri="{FF2B5EF4-FFF2-40B4-BE49-F238E27FC236}">
+                <a16:creationId xmlns:a16="http://schemas.microsoft.com/office/drawing/2014/main" id="{CB677E20-B5AC-4867-8B58-188C32644234}"/>
+              </a:ext>
+            </a:extLst>
+          </p:cNvPr>
+          <p:cNvSpPr>
+            <a:spLocks noGrp="1"/>
+          </p:cNvSpPr>
+          <p:nvPr>
+            <p:ph type="title"/>
+          </p:nvPr>
+        </p:nvSpPr>
+        <p:spPr>
+          <a:xfrm>
+            <a:off x="838200" y="365125"/>
+            <a:ext cx="10515600" cy="1325563"/>
+          </a:xfrm>
+        </p:spPr>
+        <p:txBody>
+          <a:bodyPr/>
+          <a:lstStyle/>
+          <a:p>
+            <a:r>
+              <a:rPr lang="en-US" dirty="0"/>
+              <a:t>Results of Classification</a:t>
+            </a:r>
+          </a:p>
+        </p:txBody>
+      </p:sp>
+      <p:pic>
+        <p:nvPicPr>
+          <p:cNvPr id="5" name="Picture 4">
+            <a:extLst>
+              <a:ext uri="{FF2B5EF4-FFF2-40B4-BE49-F238E27FC236}">
+                <a16:creationId xmlns:a16="http://schemas.microsoft.com/office/drawing/2014/main" id="{AF0A2DAB-FF38-4752-8234-D31EE24D1740}"/>
+              </a:ext>
+            </a:extLst>
+          </p:cNvPr>
+          <p:cNvPicPr>
+            <a:picLocks noChangeAspect="1"/>
+          </p:cNvPicPr>
+          <p:nvPr/>
+        </p:nvPicPr>
+        <p:blipFill>
+          <a:blip r:embed="rId2"/>
+          <a:stretch>
+            <a:fillRect/>
+          </a:stretch>
+        </p:blipFill>
+        <p:spPr>
+          <a:xfrm>
+            <a:off x="5933568" y="3019915"/>
+            <a:ext cx="5281312" cy="2242749"/>
+          </a:xfrm>
+          <a:prstGeom prst="rect">
+            <a:avLst/>
+          </a:prstGeom>
+        </p:spPr>
+      </p:pic>
+    </p:spTree>
+    <p:extLst>
+      <p:ext uri="{BB962C8B-B14F-4D97-AF65-F5344CB8AC3E}">
+        <p14:creationId xmlns:p14="http://schemas.microsoft.com/office/powerpoint/2010/main" val="2645786327"/>
+      </p:ext>
+    </p:extLst>
+  </p:cSld>
+  <p:clrMapOvr>
+    <a:masterClrMapping/>
+  </p:clrMapOvr>
+</p:sld>
+</file>
+
+<file path=ppt/slides/slide11.xml><?xml version="1.0" encoding="utf-8"?>
+<p:sld xmlns:a="http://schemas.openxmlformats.org/drawingml/2006/main" xmlns:r="http://schemas.openxmlformats.org/officeDocument/2006/relationships" xmlns:p="http://schemas.openxmlformats.org/presentationml/2006/main">
+  <p:cSld>
+    <p:spTree>
+      <p:nvGrpSpPr>
+        <p:cNvPr id="1" name=""/>
+        <p:cNvGrpSpPr/>
+        <p:nvPr/>
+      </p:nvGrpSpPr>
+      <p:grpSpPr>
+        <a:xfrm>
+          <a:off x="0" y="0"/>
+          <a:ext cx="0" cy="0"/>
+          <a:chOff x="0" y="0"/>
+          <a:chExt cx="0" cy="0"/>
+        </a:xfrm>
+      </p:grpSpPr>
+      <p:sp>
+        <p:nvSpPr>
+          <p:cNvPr id="2" name="Title 1">
+            <a:extLst>
+              <a:ext uri="{FF2B5EF4-FFF2-40B4-BE49-F238E27FC236}">
+                <a16:creationId xmlns:a16="http://schemas.microsoft.com/office/drawing/2014/main" id="{DA090DFB-B85B-43A5-9012-D9602422C613}"/>
+              </a:ext>
+            </a:extLst>
+          </p:cNvPr>
+          <p:cNvSpPr>
+            <a:spLocks noGrp="1"/>
+          </p:cNvSpPr>
+          <p:nvPr>
+            <p:ph type="title"/>
+          </p:nvPr>
+        </p:nvSpPr>
+        <p:spPr/>
+        <p:txBody>
+          <a:bodyPr/>
+          <a:lstStyle/>
+          <a:p>
+            <a:r>
+              <a:rPr lang="en-US" dirty="0"/>
+              <a:t>Now classifying using new test data…</a:t>
+            </a:r>
+          </a:p>
+        </p:txBody>
+      </p:sp>
+      <p:sp>
+        <p:nvSpPr>
+          <p:cNvPr id="3" name="Content Placeholder 2">
+            <a:extLst>
+              <a:ext uri="{FF2B5EF4-FFF2-40B4-BE49-F238E27FC236}">
+                <a16:creationId xmlns:a16="http://schemas.microsoft.com/office/drawing/2014/main" id="{14A3A84E-5C4F-4B18-B7FE-94EFB82C896E}"/>
+              </a:ext>
+            </a:extLst>
+          </p:cNvPr>
+          <p:cNvSpPr>
+            <a:spLocks noGrp="1"/>
+          </p:cNvSpPr>
+          <p:nvPr>
+            <p:ph idx="1"/>
+          </p:nvPr>
+        </p:nvSpPr>
+        <p:spPr/>
+        <p:txBody>
+          <a:bodyPr/>
+          <a:lstStyle/>
+          <a:p>
+            <a:r>
+              <a:rPr lang="en-US" dirty="0"/>
+              <a:t>Test data taken from Summer 2017</a:t>
+            </a:r>
+          </a:p>
+          <a:p>
+            <a:r>
+              <a:rPr lang="en-US" dirty="0"/>
+              <a:t>49,000 entries of people that were involved in crashes</a:t>
+            </a:r>
+          </a:p>
+        </p:txBody>
+      </p:sp>
+    </p:spTree>
+    <p:extLst>
+      <p:ext uri="{BB962C8B-B14F-4D97-AF65-F5344CB8AC3E}">
+        <p14:creationId xmlns:p14="http://schemas.microsoft.com/office/powerpoint/2010/main" val="1834744739"/>
+      </p:ext>
+    </p:extLst>
+  </p:cSld>
+  <p:clrMapOvr>
+    <a:masterClrMapping/>
+  </p:clrMapOvr>
+</p:sld>
+</file>
+
+<file path=ppt/slides/slide12.xml><?xml version="1.0" encoding="utf-8"?>
+<p:sld xmlns:a="http://schemas.openxmlformats.org/drawingml/2006/main" xmlns:r="http://schemas.openxmlformats.org/officeDocument/2006/relationships" xmlns:p="http://schemas.openxmlformats.org/presentationml/2006/main">
+  <p:cSld>
+    <p:spTree>
+      <p:nvGrpSpPr>
+        <p:cNvPr id="1" name=""/>
+        <p:cNvGrpSpPr/>
+        <p:nvPr/>
+      </p:nvGrpSpPr>
+      <p:grpSpPr>
+        <a:xfrm>
+          <a:off x="0" y="0"/>
+          <a:ext cx="0" cy="0"/>
+          <a:chOff x="0" y="0"/>
+          <a:chExt cx="0" cy="0"/>
+        </a:xfrm>
+      </p:grpSpPr>
+      <p:sp>
+        <p:nvSpPr>
+          <p:cNvPr id="2" name="Title 1">
+            <a:extLst>
+              <a:ext uri="{FF2B5EF4-FFF2-40B4-BE49-F238E27FC236}">
+                <a16:creationId xmlns:a16="http://schemas.microsoft.com/office/drawing/2014/main" id="{2EA51BCD-9814-49B7-8EDE-0AF603BA4D12}"/>
+              </a:ext>
+            </a:extLst>
+          </p:cNvPr>
+          <p:cNvSpPr>
+            <a:spLocks noGrp="1"/>
+          </p:cNvSpPr>
+          <p:nvPr>
+            <p:ph type="title"/>
+          </p:nvPr>
+        </p:nvSpPr>
+        <p:spPr/>
+        <p:txBody>
+          <a:bodyPr/>
+          <a:lstStyle/>
+          <a:p>
+            <a:r>
+              <a:rPr lang="en-US" dirty="0"/>
+              <a:t>Naïve Bayes</a:t>
+            </a:r>
+          </a:p>
+        </p:txBody>
+      </p:sp>
+      <p:sp>
+        <p:nvSpPr>
+          <p:cNvPr id="3" name="Content Placeholder 2">
+            <a:extLst>
+              <a:ext uri="{FF2B5EF4-FFF2-40B4-BE49-F238E27FC236}">
+                <a16:creationId xmlns:a16="http://schemas.microsoft.com/office/drawing/2014/main" id="{F1AFAB6B-A0AE-426A-A0CB-F7E3FEEA95E8}"/>
+              </a:ext>
+            </a:extLst>
+          </p:cNvPr>
+          <p:cNvSpPr>
+            <a:spLocks noGrp="1"/>
+          </p:cNvSpPr>
+          <p:nvPr>
+            <p:ph idx="1"/>
+          </p:nvPr>
+        </p:nvSpPr>
+        <p:spPr/>
+        <p:txBody>
+          <a:bodyPr/>
+          <a:lstStyle/>
+          <a:p>
+            <a:pPr lvl="1"/>
+            <a:r>
+              <a:rPr lang="en-US" dirty="0"/>
+              <a:t>51.1% correct classified, 48.9% incorrectly classified</a:t>
+            </a:r>
+          </a:p>
+          <a:p>
+            <a:pPr lvl="1"/>
+            <a:r>
+              <a:rPr lang="en-US" dirty="0"/>
+              <a:t>Precision = .911 </a:t>
+            </a:r>
+          </a:p>
+          <a:p>
+            <a:pPr lvl="1"/>
+            <a:r>
+              <a:rPr lang="en-US" dirty="0"/>
+              <a:t>Recall = .512</a:t>
+            </a:r>
+          </a:p>
+          <a:p>
+            <a:pPr lvl="1"/>
+            <a:r>
+              <a:rPr lang="en-US" dirty="0"/>
+              <a:t>F Measure = .640</a:t>
+            </a:r>
+          </a:p>
+          <a:p>
+            <a:endParaRPr lang="en-US" dirty="0"/>
+          </a:p>
+        </p:txBody>
+      </p:sp>
+      <p:pic>
+        <p:nvPicPr>
+          <p:cNvPr id="4" name="Picture 3">
+            <a:extLst>
+              <a:ext uri="{FF2B5EF4-FFF2-40B4-BE49-F238E27FC236}">
+                <a16:creationId xmlns:a16="http://schemas.microsoft.com/office/drawing/2014/main" id="{06F427BC-8DFA-4320-A43E-4DC7096E090A}"/>
+              </a:ext>
+            </a:extLst>
+          </p:cNvPr>
+          <p:cNvPicPr>
+            <a:picLocks noChangeAspect="1"/>
+          </p:cNvPicPr>
+          <p:nvPr/>
+        </p:nvPicPr>
+        <p:blipFill>
+          <a:blip r:embed="rId2"/>
+          <a:stretch>
+            <a:fillRect/>
+          </a:stretch>
+        </p:blipFill>
+        <p:spPr>
+          <a:xfrm>
+            <a:off x="4180695" y="2983918"/>
+            <a:ext cx="7607987" cy="2552357"/>
+          </a:xfrm>
+          <a:prstGeom prst="rect">
+            <a:avLst/>
+          </a:prstGeom>
+        </p:spPr>
+      </p:pic>
+    </p:spTree>
+    <p:extLst>
+      <p:ext uri="{BB962C8B-B14F-4D97-AF65-F5344CB8AC3E}">
+        <p14:creationId xmlns:p14="http://schemas.microsoft.com/office/powerpoint/2010/main" val="283337453"/>
+      </p:ext>
+    </p:extLst>
+  </p:cSld>
+  <p:clrMapOvr>
+    <a:masterClrMapping/>
+  </p:clrMapOvr>
+</p:sld>
+</file>
+
+<file path=ppt/slides/slide13.xml><?xml version="1.0" encoding="utf-8"?>
+<p:sld xmlns:a="http://schemas.openxmlformats.org/drawingml/2006/main" xmlns:r="http://schemas.openxmlformats.org/officeDocument/2006/relationships" xmlns:p="http://schemas.openxmlformats.org/presentationml/2006/main">
+  <p:cSld>
+    <p:spTree>
+      <p:nvGrpSpPr>
+        <p:cNvPr id="1" name=""/>
+        <p:cNvGrpSpPr/>
+        <p:nvPr/>
+      </p:nvGrpSpPr>
+      <p:grpSpPr>
+        <a:xfrm>
+          <a:off x="0" y="0"/>
+          <a:ext cx="0" cy="0"/>
+          <a:chOff x="0" y="0"/>
+          <a:chExt cx="0" cy="0"/>
+        </a:xfrm>
+      </p:grpSpPr>
+      <p:sp>
+        <p:nvSpPr>
+          <p:cNvPr id="2" name="Title 1">
+            <a:extLst>
+              <a:ext uri="{FF2B5EF4-FFF2-40B4-BE49-F238E27FC236}">
+                <a16:creationId xmlns:a16="http://schemas.microsoft.com/office/drawing/2014/main" id="{EEC0BFB7-2A8E-40B2-91C8-D1AA77EE33B5}"/>
+              </a:ext>
+            </a:extLst>
+          </p:cNvPr>
+          <p:cNvSpPr>
+            <a:spLocks noGrp="1"/>
+          </p:cNvSpPr>
+          <p:nvPr>
+            <p:ph type="title"/>
+          </p:nvPr>
+        </p:nvSpPr>
+        <p:spPr/>
+        <p:txBody>
+          <a:bodyPr/>
+          <a:lstStyle/>
+          <a:p>
+            <a:r>
+              <a:rPr lang="en-US" dirty="0"/>
+              <a:t>Random Tree</a:t>
+            </a:r>
+          </a:p>
+        </p:txBody>
+      </p:sp>
+      <p:sp>
+        <p:nvSpPr>
+          <p:cNvPr id="3" name="Content Placeholder 2">
+            <a:extLst>
+              <a:ext uri="{FF2B5EF4-FFF2-40B4-BE49-F238E27FC236}">
+                <a16:creationId xmlns:a16="http://schemas.microsoft.com/office/drawing/2014/main" id="{DD7D4540-752E-42D7-8B67-E3C83618E10B}"/>
+              </a:ext>
+            </a:extLst>
+          </p:cNvPr>
+          <p:cNvSpPr>
+            <a:spLocks noGrp="1"/>
+          </p:cNvSpPr>
+          <p:nvPr>
+            <p:ph idx="1"/>
+          </p:nvPr>
+        </p:nvSpPr>
+        <p:spPr/>
+        <p:txBody>
+          <a:bodyPr/>
+          <a:lstStyle/>
+          <a:p>
+            <a:pPr lvl="1"/>
+            <a:r>
+              <a:rPr lang="en-US" dirty="0"/>
+              <a:t>78.7% correct classified, 21.3% incorrectly classified</a:t>
+            </a:r>
+          </a:p>
+          <a:p>
+            <a:pPr lvl="1"/>
+            <a:r>
+              <a:rPr lang="en-US" dirty="0"/>
+              <a:t>Precision = .876</a:t>
+            </a:r>
+          </a:p>
+          <a:p>
+            <a:pPr lvl="1"/>
+            <a:r>
+              <a:rPr lang="en-US" dirty="0"/>
+              <a:t>Recall = .787</a:t>
+            </a:r>
+          </a:p>
+          <a:p>
+            <a:pPr lvl="1"/>
+            <a:r>
+              <a:rPr lang="en-US" dirty="0"/>
+              <a:t>F Measure = .828</a:t>
+            </a:r>
+          </a:p>
+          <a:p>
+            <a:endParaRPr lang="en-US" dirty="0"/>
+          </a:p>
+        </p:txBody>
+      </p:sp>
+      <p:pic>
+        <p:nvPicPr>
+          <p:cNvPr id="4" name="Picture 3">
+            <a:extLst>
+              <a:ext uri="{FF2B5EF4-FFF2-40B4-BE49-F238E27FC236}">
+                <a16:creationId xmlns:a16="http://schemas.microsoft.com/office/drawing/2014/main" id="{73FC919A-5644-4402-935C-BA8705F86635}"/>
+              </a:ext>
+            </a:extLst>
+          </p:cNvPr>
+          <p:cNvPicPr>
+            <a:picLocks noChangeAspect="1"/>
+          </p:cNvPicPr>
+          <p:nvPr/>
+        </p:nvPicPr>
+        <p:blipFill>
+          <a:blip r:embed="rId2"/>
+          <a:stretch>
+            <a:fillRect/>
+          </a:stretch>
+        </p:blipFill>
+        <p:spPr>
+          <a:xfrm>
+            <a:off x="4154457" y="3137188"/>
+            <a:ext cx="7847333" cy="2748222"/>
+          </a:xfrm>
+          <a:prstGeom prst="rect">
+            <a:avLst/>
+          </a:prstGeom>
+        </p:spPr>
+      </p:pic>
+    </p:spTree>
+    <p:extLst>
+      <p:ext uri="{BB962C8B-B14F-4D97-AF65-F5344CB8AC3E}">
+        <p14:creationId xmlns:p14="http://schemas.microsoft.com/office/powerpoint/2010/main" val="2723678165"/>
+      </p:ext>
+    </p:extLst>
+  </p:cSld>
+  <p:clrMapOvr>
+    <a:masterClrMapping/>
+  </p:clrMapOvr>
+</p:sld>
+</file>
+
+<file path=ppt/slides/slide14.xml><?xml version="1.0" encoding="utf-8"?>
+<p:sld xmlns:a="http://schemas.openxmlformats.org/drawingml/2006/main" xmlns:r="http://schemas.openxmlformats.org/officeDocument/2006/relationships" xmlns:p="http://schemas.openxmlformats.org/presentationml/2006/main">
+  <p:cSld>
+    <p:spTree>
+      <p:nvGrpSpPr>
+        <p:cNvPr id="1" name=""/>
+        <p:cNvGrpSpPr/>
+        <p:nvPr/>
+      </p:nvGrpSpPr>
+      <p:grpSpPr>
+        <a:xfrm>
+          <a:off x="0" y="0"/>
+          <a:ext cx="0" cy="0"/>
+          <a:chOff x="0" y="0"/>
+          <a:chExt cx="0" cy="0"/>
+        </a:xfrm>
+      </p:grpSpPr>
+      <p:sp>
+        <p:nvSpPr>
+          <p:cNvPr id="2" name="Title 1">
+            <a:extLst>
+              <a:ext uri="{FF2B5EF4-FFF2-40B4-BE49-F238E27FC236}">
+                <a16:creationId xmlns:a16="http://schemas.microsoft.com/office/drawing/2014/main" id="{E10FA47F-27B1-466C-9EF3-61339A233E53}"/>
+              </a:ext>
+            </a:extLst>
+          </p:cNvPr>
+          <p:cNvSpPr>
+            <a:spLocks noGrp="1"/>
+          </p:cNvSpPr>
+          <p:nvPr>
+            <p:ph type="title"/>
+          </p:nvPr>
+        </p:nvSpPr>
+        <p:spPr/>
+        <p:txBody>
+          <a:bodyPr/>
+          <a:lstStyle/>
+          <a:p>
+            <a:r>
+              <a:rPr lang="en-US" dirty="0"/>
+              <a:t>Decision Stump</a:t>
+            </a:r>
+          </a:p>
+        </p:txBody>
+      </p:sp>
+      <p:sp>
+        <p:nvSpPr>
+          <p:cNvPr id="3" name="Content Placeholder 2">
+            <a:extLst>
+              <a:ext uri="{FF2B5EF4-FFF2-40B4-BE49-F238E27FC236}">
+                <a16:creationId xmlns:a16="http://schemas.microsoft.com/office/drawing/2014/main" id="{99F2473E-5D1B-440B-8088-C3FCA5C74956}"/>
+              </a:ext>
+            </a:extLst>
+          </p:cNvPr>
+          <p:cNvSpPr>
+            <a:spLocks noGrp="1"/>
+          </p:cNvSpPr>
+          <p:nvPr>
+            <p:ph idx="1"/>
+          </p:nvPr>
+        </p:nvSpPr>
+        <p:spPr/>
+        <p:txBody>
+          <a:bodyPr/>
+          <a:lstStyle/>
+          <a:p>
+            <a:pPr lvl="1"/>
+            <a:r>
+              <a:rPr lang="en-US" dirty="0"/>
+              <a:t>77.1% correct classified, 22.9% incorrectly classified</a:t>
+            </a:r>
+          </a:p>
+          <a:p>
+            <a:pPr lvl="1"/>
+            <a:r>
+              <a:rPr lang="en-US" dirty="0"/>
+              <a:t>Recall = .771</a:t>
+            </a:r>
+          </a:p>
+          <a:p>
+            <a:endParaRPr lang="en-US" dirty="0"/>
+          </a:p>
+        </p:txBody>
+      </p:sp>
+      <p:pic>
+        <p:nvPicPr>
+          <p:cNvPr id="4" name="Picture 3">
+            <a:extLst>
+              <a:ext uri="{FF2B5EF4-FFF2-40B4-BE49-F238E27FC236}">
+                <a16:creationId xmlns:a16="http://schemas.microsoft.com/office/drawing/2014/main" id="{DB3AE3C3-C0D4-48E3-AF6D-810D2B3521AC}"/>
+              </a:ext>
+            </a:extLst>
+          </p:cNvPr>
+          <p:cNvPicPr>
+            <a:picLocks noChangeAspect="1"/>
+          </p:cNvPicPr>
+          <p:nvPr/>
+        </p:nvPicPr>
+        <p:blipFill>
+          <a:blip r:embed="rId2"/>
+          <a:stretch>
+            <a:fillRect/>
+          </a:stretch>
+        </p:blipFill>
+        <p:spPr>
+          <a:xfrm>
+            <a:off x="4307004" y="3429000"/>
+            <a:ext cx="7265884" cy="2401305"/>
+          </a:xfrm>
+          <a:prstGeom prst="rect">
+            <a:avLst/>
+          </a:prstGeom>
+        </p:spPr>
+      </p:pic>
+    </p:spTree>
+    <p:extLst>
+      <p:ext uri="{BB962C8B-B14F-4D97-AF65-F5344CB8AC3E}">
+        <p14:creationId xmlns:p14="http://schemas.microsoft.com/office/powerpoint/2010/main" val="918238741"/>
+      </p:ext>
+    </p:extLst>
+  </p:cSld>
+  <p:clrMapOvr>
+    <a:masterClrMapping/>
+  </p:clrMapOvr>
+</p:sld>
+</file>
+
+<file path=ppt/slides/slide15.xml><?xml version="1.0" encoding="utf-8"?>
+<p:sld xmlns:a="http://schemas.openxmlformats.org/drawingml/2006/main" xmlns:r="http://schemas.openxmlformats.org/officeDocument/2006/relationships" xmlns:p="http://schemas.openxmlformats.org/presentationml/2006/main">
+  <p:cSld>
+    <p:spTree>
+      <p:nvGrpSpPr>
+        <p:cNvPr id="1" name=""/>
+        <p:cNvGrpSpPr/>
+        <p:nvPr/>
+      </p:nvGrpSpPr>
+      <p:grpSpPr>
+        <a:xfrm>
+          <a:off x="0" y="0"/>
+          <a:ext cx="0" cy="0"/>
+          <a:chOff x="0" y="0"/>
+          <a:chExt cx="0" cy="0"/>
+        </a:xfrm>
+      </p:grpSpPr>
+      <p:sp>
+        <p:nvSpPr>
+          <p:cNvPr id="2" name="Title 1">
+            <a:extLst>
+              <a:ext uri="{FF2B5EF4-FFF2-40B4-BE49-F238E27FC236}">
+                <a16:creationId xmlns:a16="http://schemas.microsoft.com/office/drawing/2014/main" id="{A6AFD214-47DA-4272-9735-43B11E7836BF}"/>
+              </a:ext>
+            </a:extLst>
+          </p:cNvPr>
+          <p:cNvSpPr>
+            <a:spLocks noGrp="1"/>
+          </p:cNvSpPr>
+          <p:nvPr>
+            <p:ph type="title"/>
+          </p:nvPr>
+        </p:nvSpPr>
+        <p:spPr/>
+        <p:txBody>
+          <a:bodyPr/>
+          <a:lstStyle/>
+          <a:p>
+            <a:r>
+              <a:rPr lang="en-US" dirty="0"/>
+              <a:t>Random Forest</a:t>
+            </a:r>
+          </a:p>
+        </p:txBody>
+      </p:sp>
+      <p:sp>
+        <p:nvSpPr>
+          <p:cNvPr id="3" name="Content Placeholder 2">
+            <a:extLst>
+              <a:ext uri="{FF2B5EF4-FFF2-40B4-BE49-F238E27FC236}">
+                <a16:creationId xmlns:a16="http://schemas.microsoft.com/office/drawing/2014/main" id="{329B9DD7-582A-4AB7-AF41-A90828546B93}"/>
+              </a:ext>
+            </a:extLst>
+          </p:cNvPr>
+          <p:cNvSpPr>
+            <a:spLocks noGrp="1"/>
+          </p:cNvSpPr>
+          <p:nvPr>
+            <p:ph idx="1"/>
+          </p:nvPr>
+        </p:nvSpPr>
+        <p:spPr/>
+        <p:txBody>
+          <a:bodyPr/>
+          <a:lstStyle/>
+          <a:p>
+            <a:pPr lvl="1"/>
+            <a:r>
+              <a:rPr lang="en-US" dirty="0"/>
+              <a:t>88% correct classified, 12% incorrectly classified</a:t>
+            </a:r>
+          </a:p>
+          <a:p>
+            <a:pPr lvl="1"/>
+            <a:r>
+              <a:rPr lang="en-US" dirty="0"/>
+              <a:t>Precision = .877</a:t>
+            </a:r>
+          </a:p>
+          <a:p>
+            <a:pPr lvl="1"/>
+            <a:r>
+              <a:rPr lang="en-US" dirty="0"/>
+              <a:t>Recall = .880</a:t>
+            </a:r>
+          </a:p>
+          <a:p>
+            <a:pPr lvl="1"/>
+            <a:r>
+              <a:rPr lang="en-US" dirty="0"/>
+              <a:t>F Measure = .879</a:t>
+            </a:r>
+          </a:p>
+          <a:p>
+            <a:endParaRPr lang="en-US" dirty="0"/>
+          </a:p>
+        </p:txBody>
+      </p:sp>
+      <p:pic>
+        <p:nvPicPr>
+          <p:cNvPr id="4" name="Picture 3">
+            <a:extLst>
+              <a:ext uri="{FF2B5EF4-FFF2-40B4-BE49-F238E27FC236}">
+                <a16:creationId xmlns:a16="http://schemas.microsoft.com/office/drawing/2014/main" id="{5EB47477-AA4E-4215-91C6-27EDA331700F}"/>
+              </a:ext>
+            </a:extLst>
+          </p:cNvPr>
+          <p:cNvPicPr>
+            <a:picLocks noChangeAspect="1"/>
+          </p:cNvPicPr>
+          <p:nvPr/>
+        </p:nvPicPr>
+        <p:blipFill>
+          <a:blip r:embed="rId2"/>
+          <a:stretch>
+            <a:fillRect/>
+          </a:stretch>
+        </p:blipFill>
+        <p:spPr>
+          <a:xfrm>
+            <a:off x="3947853" y="3203690"/>
+            <a:ext cx="7814222" cy="2748222"/>
+          </a:xfrm>
+          <a:prstGeom prst="rect">
+            <a:avLst/>
+          </a:prstGeom>
+        </p:spPr>
+      </p:pic>
+    </p:spTree>
+    <p:extLst>
+      <p:ext uri="{BB962C8B-B14F-4D97-AF65-F5344CB8AC3E}">
+        <p14:creationId xmlns:p14="http://schemas.microsoft.com/office/powerpoint/2010/main" val="3991473381"/>
+      </p:ext>
+    </p:extLst>
+  </p:cSld>
+  <p:clrMapOvr>
+    <a:masterClrMapping/>
+  </p:clrMapOvr>
+</p:sld>
+</file>
+
+<file path=ppt/slides/slide16.xml><?xml version="1.0" encoding="utf-8"?>
+<p:sld xmlns:a="http://schemas.openxmlformats.org/drawingml/2006/main" xmlns:r="http://schemas.openxmlformats.org/officeDocument/2006/relationships" xmlns:p="http://schemas.openxmlformats.org/presentationml/2006/main">
+  <p:cSld>
+    <p:spTree>
+      <p:nvGrpSpPr>
+        <p:cNvPr id="1" name=""/>
+        <p:cNvGrpSpPr/>
+        <p:nvPr/>
+      </p:nvGrpSpPr>
+      <p:grpSpPr>
+        <a:xfrm>
+          <a:off x="0" y="0"/>
+          <a:ext cx="0" cy="0"/>
+          <a:chOff x="0" y="0"/>
+          <a:chExt cx="0" cy="0"/>
+        </a:xfrm>
+      </p:grpSpPr>
+      <p:sp>
+        <p:nvSpPr>
+          <p:cNvPr id="2" name="Title 1">
+            <a:extLst>
+              <a:ext uri="{FF2B5EF4-FFF2-40B4-BE49-F238E27FC236}">
+                <a16:creationId xmlns:a16="http://schemas.microsoft.com/office/drawing/2014/main" id="{AA1B8B27-56A7-4474-8729-48490A7029E0}"/>
+              </a:ext>
+            </a:extLst>
+          </p:cNvPr>
+          <p:cNvSpPr>
+            <a:spLocks noGrp="1"/>
+          </p:cNvSpPr>
+          <p:nvPr>
+            <p:ph type="title"/>
+          </p:nvPr>
+        </p:nvSpPr>
+        <p:spPr/>
+        <p:txBody>
+          <a:bodyPr/>
+          <a:lstStyle/>
+          <a:p>
+            <a:r>
+              <a:rPr lang="en-US" dirty="0"/>
+              <a:t>Interpretation of Our Results</a:t>
+            </a:r>
+          </a:p>
+        </p:txBody>
+      </p:sp>
+      <p:sp>
+        <p:nvSpPr>
+          <p:cNvPr id="3" name="Content Placeholder 2">
+            <a:extLst>
+              <a:ext uri="{FF2B5EF4-FFF2-40B4-BE49-F238E27FC236}">
+                <a16:creationId xmlns:a16="http://schemas.microsoft.com/office/drawing/2014/main" id="{D9EA10B2-FEB2-4F34-A004-CB2AAE6537F3}"/>
+              </a:ext>
+            </a:extLst>
+          </p:cNvPr>
+          <p:cNvSpPr>
+            <a:spLocks noGrp="1"/>
+          </p:cNvSpPr>
+          <p:nvPr>
+            <p:ph idx="1"/>
+          </p:nvPr>
+        </p:nvSpPr>
+        <p:spPr/>
+        <p:txBody>
+          <a:bodyPr/>
+          <a:lstStyle/>
+          <a:p>
+            <a:r>
+              <a:rPr lang="en-US" dirty="0"/>
+              <a:t>There doesn’t seem to be to be any overfitting/underfitting</a:t>
+            </a:r>
+          </a:p>
+          <a:p>
+            <a:pPr lvl="1"/>
+            <a:r>
+              <a:rPr lang="en-US" dirty="0"/>
+              <a:t>Excellent accuracy when ran on the never seen test data!</a:t>
+            </a:r>
+          </a:p>
+        </p:txBody>
+      </p:sp>
+    </p:spTree>
+    <p:extLst>
+      <p:ext uri="{BB962C8B-B14F-4D97-AF65-F5344CB8AC3E}">
+        <p14:creationId xmlns:p14="http://schemas.microsoft.com/office/powerpoint/2010/main" val="2003503429"/>
+      </p:ext>
+    </p:extLst>
+  </p:cSld>
+  <p:clrMapOvr>
+    <a:masterClrMapping/>
+  </p:clrMapOvr>
+</p:sld>
+</file>
+
 <file path=ppt/slides/slide2.xml><?xml version="1.0" encoding="utf-8"?>
 <p:sld xmlns:a="http://schemas.openxmlformats.org/drawingml/2006/main" xmlns:r="http://schemas.openxmlformats.org/officeDocument/2006/relationships" xmlns:p="http://schemas.openxmlformats.org/presentationml/2006/main">
   <p:cSld>
@@ -3721,7 +4636,14 @@
           <a:p>
             <a:r>
               <a:rPr lang="en-US" sz="2400" dirty="0"/>
-              <a:t>LIGHTING_CONDITION=DAYLIGHT FIRST_CRASH_TYPE=ANIMAL CRASH_TYPE=INJURY AND / OR TOW DUE TO CRASH 2 ==&gt; MOST_SEVERE_INJURY=FATAL 2</a:t>
+              <a:t>LIGHTING_CONDITION=DAYLIGHT FIRST_CRASH_TYPE=ANIMAL CRASH_TYPE=INJURY AND / OR TOW DUE TO CRASH 2 ==&gt; INJURY_CLASSIFICATION=FATAL </a:t>
+            </a:r>
+          </a:p>
+          <a:p>
+            <a:pPr lvl="1"/>
+            <a:r>
+              <a:rPr lang="en-US" sz="2000" dirty="0"/>
+              <a:t>Very low confidence…</a:t>
             </a:r>
           </a:p>
           <a:p>
@@ -3734,21 +4656,28 @@
           <a:p>
             <a:r>
               <a:rPr lang="en-US" sz="2400" dirty="0"/>
-              <a:t>PRIM_CONTRIBUTORY_CAUSE=OPERATING VEHICLE IN ERRATIC, RECKLESS, CARELESS, NEGLIGENT OR AGGRESSIVE MANNER POSTED_SPEED_LIMIT=SPEED LIMIT 15 DEVICE_CONDITION=NO CONTROLS FIRST_CRASH_TYPE=PEDESTRIAN 2 ==&gt; MOST_SEVERE_INJURY=INCAPACITATING INJURY</a:t>
-            </a:r>
-          </a:p>
-          <a:p>
-            <a:pPr lvl="1"/>
-            <a:endParaRPr lang="en-US" sz="2000" dirty="0"/>
-          </a:p>
-          <a:p>
-            <a:r>
-              <a:rPr lang="en-US" sz="2400" dirty="0"/>
-              <a:t>PRIM_CONTRIBUTORY_CAUSE=UNDER THE INFLUENCE OF ALCOHOL/DRUGS (USE WHEN ARREST IS EFFECTED) FIRST_CRASH_TYPE=PEDALCYCLIST CRASH_TYPE=INJURY AND / OR TOW DUE TO CRASH 2 ==&gt; MOST_SEVERE_INJURY=INCAPACITATING INJURY 2</a:t>
-            </a:r>
-          </a:p>
-          <a:p>
-            <a:endParaRPr lang="en-US" sz="2400" dirty="0"/>
+              <a:t>TRAFFIC_CONTROL_DEVICE=NO_CONTROLS LIGHTING_CONDITION=DARKNESS LIGHTED ROAD ROAD_DEFECT=NO DEFECTS SEX=M ==&gt; INJURY_CLASSIFICATION=FATAL</a:t>
+            </a:r>
+          </a:p>
+          <a:p>
+            <a:pPr lvl="1"/>
+            <a:r>
+              <a:rPr lang="en-US" dirty="0"/>
+              <a:t>.87 confidence</a:t>
+            </a:r>
+          </a:p>
+          <a:p>
+            <a:r>
+              <a:rPr lang="en-US" dirty="0"/>
+              <a:t>FIRST_CRASH_TYPE=FIXED OBJECT SEX=M DRIVER_VISION=UNKNOWN ==&gt; INJURY_CLASSIFICATION=FATAL</a:t>
+            </a:r>
+          </a:p>
+          <a:p>
+            <a:pPr lvl="1"/>
+            <a:r>
+              <a:rPr lang="en-US" sz="2000" dirty="0"/>
+              <a:t>.85 confidence</a:t>
+            </a:r>
           </a:p>
         </p:txBody>
       </p:sp>
@@ -3787,6 +4716,162 @@
           <p:cNvPr id="2" name="Title 1">
             <a:extLst>
               <a:ext uri="{FF2B5EF4-FFF2-40B4-BE49-F238E27FC236}">
+                <a16:creationId xmlns:a16="http://schemas.microsoft.com/office/drawing/2014/main" id="{D1D46338-F7B6-4C55-8F47-FD58CED3A764}"/>
+              </a:ext>
+            </a:extLst>
+          </p:cNvPr>
+          <p:cNvSpPr>
+            <a:spLocks noGrp="1"/>
+          </p:cNvSpPr>
+          <p:nvPr>
+            <p:ph type="title"/>
+          </p:nvPr>
+        </p:nvSpPr>
+        <p:spPr/>
+        <p:txBody>
+          <a:bodyPr/>
+          <a:lstStyle/>
+          <a:p>
+            <a:r>
+              <a:rPr lang="en-US" dirty="0"/>
+              <a:t>Determining what classifiers to use</a:t>
+            </a:r>
+          </a:p>
+        </p:txBody>
+      </p:sp>
+      <p:sp>
+        <p:nvSpPr>
+          <p:cNvPr id="3" name="Content Placeholder 2">
+            <a:extLst>
+              <a:ext uri="{FF2B5EF4-FFF2-40B4-BE49-F238E27FC236}">
+                <a16:creationId xmlns:a16="http://schemas.microsoft.com/office/drawing/2014/main" id="{41E50167-EE00-4918-8469-EE9F23599ADA}"/>
+              </a:ext>
+            </a:extLst>
+          </p:cNvPr>
+          <p:cNvSpPr>
+            <a:spLocks noGrp="1"/>
+          </p:cNvSpPr>
+          <p:nvPr>
+            <p:ph idx="1"/>
+          </p:nvPr>
+        </p:nvSpPr>
+        <p:spPr/>
+        <p:txBody>
+          <a:bodyPr/>
+          <a:lstStyle/>
+          <a:p>
+            <a:r>
+              <a:rPr lang="en-US" dirty="0"/>
+              <a:t>Our dataset already has labels and a decent number of features:</a:t>
+            </a:r>
+          </a:p>
+          <a:p>
+            <a:pPr lvl="1"/>
+            <a:r>
+              <a:rPr lang="en-US" dirty="0"/>
+              <a:t>Naïve Bayes</a:t>
+            </a:r>
+          </a:p>
+          <a:p>
+            <a:pPr lvl="2"/>
+            <a:r>
+              <a:rPr lang="en-US" dirty="0"/>
+              <a:t>High scalable</a:t>
+            </a:r>
+          </a:p>
+          <a:p>
+            <a:pPr lvl="2"/>
+            <a:r>
+              <a:rPr lang="en-US" dirty="0"/>
+              <a:t>Pretty fast!</a:t>
+            </a:r>
+          </a:p>
+          <a:p>
+            <a:pPr lvl="1"/>
+            <a:r>
+              <a:rPr lang="en-US" dirty="0"/>
+              <a:t>Decision Stump</a:t>
+            </a:r>
+          </a:p>
+          <a:p>
+            <a:pPr lvl="2"/>
+            <a:r>
+              <a:rPr lang="en-US" dirty="0"/>
+              <a:t>One level decision tree</a:t>
+            </a:r>
+          </a:p>
+          <a:p>
+            <a:pPr lvl="1"/>
+            <a:r>
+              <a:rPr lang="en-US" dirty="0"/>
+              <a:t>Random Tree (Decision tree)</a:t>
+            </a:r>
+          </a:p>
+          <a:p>
+            <a:pPr lvl="2"/>
+            <a:r>
+              <a:rPr lang="en-US" dirty="0"/>
+              <a:t>Built on a random subset of columns</a:t>
+            </a:r>
+          </a:p>
+          <a:p>
+            <a:pPr lvl="1"/>
+            <a:r>
+              <a:rPr lang="en-US" dirty="0"/>
+              <a:t>Random Forest</a:t>
+            </a:r>
+          </a:p>
+          <a:p>
+            <a:pPr lvl="2"/>
+            <a:r>
+              <a:rPr lang="en-US" dirty="0"/>
+              <a:t>Different samples of data taken to grow multiple trees where all trees vote on what the output should be (the majority vote wins)</a:t>
+            </a:r>
+          </a:p>
+          <a:p>
+            <a:pPr lvl="1"/>
+            <a:endParaRPr lang="en-US" dirty="0"/>
+          </a:p>
+          <a:p>
+            <a:endParaRPr lang="en-US" dirty="0"/>
+          </a:p>
+        </p:txBody>
+      </p:sp>
+    </p:spTree>
+    <p:extLst>
+      <p:ext uri="{BB962C8B-B14F-4D97-AF65-F5344CB8AC3E}">
+        <p14:creationId xmlns:p14="http://schemas.microsoft.com/office/powerpoint/2010/main" val="2290214412"/>
+      </p:ext>
+    </p:extLst>
+  </p:cSld>
+  <p:clrMapOvr>
+    <a:masterClrMapping/>
+  </p:clrMapOvr>
+</p:sld>
+</file>
+
+<file path=ppt/slides/slide6.xml><?xml version="1.0" encoding="utf-8"?>
+<p:sld xmlns:a="http://schemas.openxmlformats.org/drawingml/2006/main" xmlns:r="http://schemas.openxmlformats.org/officeDocument/2006/relationships" xmlns:p="http://schemas.openxmlformats.org/presentationml/2006/main">
+  <p:cSld>
+    <p:spTree>
+      <p:nvGrpSpPr>
+        <p:cNvPr id="1" name=""/>
+        <p:cNvGrpSpPr/>
+        <p:nvPr/>
+      </p:nvGrpSpPr>
+      <p:grpSpPr>
+        <a:xfrm>
+          <a:off x="0" y="0"/>
+          <a:ext cx="0" cy="0"/>
+          <a:chOff x="0" y="0"/>
+          <a:chExt cx="0" cy="0"/>
+        </a:xfrm>
+      </p:grpSpPr>
+      <p:sp>
+        <p:nvSpPr>
+          <p:cNvPr id="2" name="Title 1">
+            <a:extLst>
+              <a:ext uri="{FF2B5EF4-FFF2-40B4-BE49-F238E27FC236}">
                 <a16:creationId xmlns:a16="http://schemas.microsoft.com/office/drawing/2014/main" id="{71CF0DDD-D7AD-411A-85D6-300824168D64}"/>
               </a:ext>
             </a:extLst>
@@ -3833,63 +4918,7 @@
           <a:p>
             <a:r>
               <a:rPr lang="en-US" dirty="0"/>
-              <a:t>Attempted classification with a 10 fold split:</a:t>
-            </a:r>
-          </a:p>
-          <a:p>
-            <a:pPr lvl="1"/>
-            <a:r>
-              <a:rPr lang="en-US" dirty="0"/>
-              <a:t>Naïve Bayes</a:t>
-            </a:r>
-          </a:p>
-          <a:p>
-            <a:pPr lvl="2"/>
-            <a:r>
-              <a:rPr lang="en-US" dirty="0"/>
-              <a:t>Naïve independent assumption of features to build independent</a:t>
-            </a:r>
-          </a:p>
-          <a:p>
-            <a:pPr lvl="1"/>
-            <a:r>
-              <a:rPr lang="en-US" dirty="0"/>
-              <a:t>Decision Stump</a:t>
-            </a:r>
-          </a:p>
-          <a:p>
-            <a:pPr lvl="2"/>
-            <a:r>
-              <a:rPr lang="en-US" dirty="0"/>
-              <a:t>One level decision tree</a:t>
-            </a:r>
-          </a:p>
-          <a:p>
-            <a:pPr lvl="1"/>
-            <a:r>
-              <a:rPr lang="en-US" dirty="0"/>
-              <a:t>Random Tree (Decision tree)</a:t>
-            </a:r>
-          </a:p>
-          <a:p>
-            <a:pPr lvl="2"/>
-            <a:r>
-              <a:rPr lang="en-US" dirty="0"/>
-              <a:t>Built on a random subset of columns</a:t>
-            </a:r>
-          </a:p>
-          <a:p>
-            <a:pPr lvl="1"/>
-            <a:r>
-              <a:rPr lang="en-US" dirty="0"/>
-              <a:t>Random Forest</a:t>
-            </a:r>
-          </a:p>
-          <a:p>
-            <a:pPr lvl="2"/>
-            <a:r>
-              <a:rPr lang="en-US" dirty="0"/>
-              <a:t>Different samples of data taken to grow multiple trees where all trees vote on what the output should be (the majority vote wins)</a:t>
+              <a:t>Attempted classification with a 10 fold split on the training data</a:t>
             </a:r>
           </a:p>
         </p:txBody>
@@ -3907,7 +4936,7 @@
 </p:sld>
 </file>
 
-<file path=ppt/slides/slide6.xml><?xml version="1.0" encoding="utf-8"?>
+<file path=ppt/slides/slide7.xml><?xml version="1.0" encoding="utf-8"?>
 <p:sld xmlns:a="http://schemas.openxmlformats.org/drawingml/2006/main" xmlns:r="http://schemas.openxmlformats.org/officeDocument/2006/relationships" xmlns:p="http://schemas.openxmlformats.org/presentationml/2006/main">
   <p:cSld>
     <p:spTree>
@@ -4062,7 +5091,7 @@
 </p:sld>
 </file>
 
-<file path=ppt/slides/slide7.xml><?xml version="1.0" encoding="utf-8"?>
+<file path=ppt/slides/slide8.xml><?xml version="1.0" encoding="utf-8"?>
 <p:sld xmlns:a="http://schemas.openxmlformats.org/drawingml/2006/main" xmlns:r="http://schemas.openxmlformats.org/officeDocument/2006/relationships" xmlns:p="http://schemas.openxmlformats.org/presentationml/2006/main">
   <p:cSld>
     <p:spTree>
@@ -4195,165 +5224,6 @@
     <p:extLst>
       <p:ext uri="{BB962C8B-B14F-4D97-AF65-F5344CB8AC3E}">
         <p14:creationId xmlns:p14="http://schemas.microsoft.com/office/powerpoint/2010/main" val="932303325"/>
-      </p:ext>
-    </p:extLst>
-  </p:cSld>
-  <p:clrMapOvr>
-    <a:masterClrMapping/>
-  </p:clrMapOvr>
-</p:sld>
-</file>
-
-<file path=ppt/slides/slide8.xml><?xml version="1.0" encoding="utf-8"?>
-<p:sld xmlns:a="http://schemas.openxmlformats.org/drawingml/2006/main" xmlns:r="http://schemas.openxmlformats.org/officeDocument/2006/relationships" xmlns:p="http://schemas.openxmlformats.org/presentationml/2006/main">
-  <p:cSld>
-    <p:spTree>
-      <p:nvGrpSpPr>
-        <p:cNvPr id="1" name=""/>
-        <p:cNvGrpSpPr/>
-        <p:nvPr/>
-      </p:nvGrpSpPr>
-      <p:grpSpPr>
-        <a:xfrm>
-          <a:off x="0" y="0"/>
-          <a:ext cx="0" cy="0"/>
-          <a:chOff x="0" y="0"/>
-          <a:chExt cx="0" cy="0"/>
-        </a:xfrm>
-      </p:grpSpPr>
-      <p:sp>
-        <p:nvSpPr>
-          <p:cNvPr id="3" name="Content Placeholder 2">
-            <a:extLst>
-              <a:ext uri="{FF2B5EF4-FFF2-40B4-BE49-F238E27FC236}">
-                <a16:creationId xmlns:a16="http://schemas.microsoft.com/office/drawing/2014/main" id="{7A5A1B61-D05F-4843-821A-81A355FF1740}"/>
-              </a:ext>
-            </a:extLst>
-          </p:cNvPr>
-          <p:cNvSpPr>
-            <a:spLocks noGrp="1"/>
-          </p:cNvSpPr>
-          <p:nvPr>
-            <p:ph idx="1"/>
-          </p:nvPr>
-        </p:nvSpPr>
-        <p:spPr/>
-        <p:txBody>
-          <a:bodyPr/>
-          <a:lstStyle/>
-          <a:p>
-            <a:r>
-              <a:rPr lang="en-US" dirty="0"/>
-              <a:t>Random Tree</a:t>
-            </a:r>
-          </a:p>
-          <a:p>
-            <a:pPr lvl="1"/>
-            <a:r>
-              <a:rPr lang="en-US" dirty="0"/>
-              <a:t>97.1% correct classified, 2.8% incorrectly classified</a:t>
-            </a:r>
-          </a:p>
-          <a:p>
-            <a:pPr lvl="1"/>
-            <a:r>
-              <a:rPr lang="en-US" dirty="0"/>
-              <a:t>Precision = .973</a:t>
-            </a:r>
-          </a:p>
-          <a:p>
-            <a:pPr lvl="1"/>
-            <a:r>
-              <a:rPr lang="en-US" dirty="0"/>
-              <a:t>Recall = .972</a:t>
-            </a:r>
-          </a:p>
-          <a:p>
-            <a:pPr lvl="1"/>
-            <a:r>
-              <a:rPr lang="en-US" dirty="0"/>
-              <a:t>F Measure = .971</a:t>
-            </a:r>
-          </a:p>
-          <a:p>
-            <a:pPr lvl="1"/>
-            <a:r>
-              <a:rPr lang="en-US" dirty="0"/>
-              <a:t>Really good!</a:t>
-            </a:r>
-          </a:p>
-          <a:p>
-            <a:endParaRPr lang="en-US" dirty="0"/>
-          </a:p>
-        </p:txBody>
-      </p:sp>
-      <p:sp>
-        <p:nvSpPr>
-          <p:cNvPr id="4" name="Title 1">
-            <a:extLst>
-              <a:ext uri="{FF2B5EF4-FFF2-40B4-BE49-F238E27FC236}">
-                <a16:creationId xmlns:a16="http://schemas.microsoft.com/office/drawing/2014/main" id="{BD327D98-BF65-4138-AE4D-3D65B57214BE}"/>
-              </a:ext>
-            </a:extLst>
-          </p:cNvPr>
-          <p:cNvSpPr>
-            <a:spLocks noGrp="1"/>
-          </p:cNvSpPr>
-          <p:nvPr>
-            <p:ph type="title"/>
-          </p:nvPr>
-        </p:nvSpPr>
-        <p:spPr>
-          <a:xfrm>
-            <a:off x="838200" y="365125"/>
-            <a:ext cx="10515600" cy="1325563"/>
-          </a:xfrm>
-        </p:spPr>
-        <p:txBody>
-          <a:bodyPr/>
-          <a:lstStyle/>
-          <a:p>
-            <a:r>
-              <a:rPr lang="en-US" dirty="0"/>
-              <a:t>Results of Classification</a:t>
-            </a:r>
-          </a:p>
-        </p:txBody>
-      </p:sp>
-      <p:pic>
-        <p:nvPicPr>
-          <p:cNvPr id="5" name="Picture 4">
-            <a:extLst>
-              <a:ext uri="{FF2B5EF4-FFF2-40B4-BE49-F238E27FC236}">
-                <a16:creationId xmlns:a16="http://schemas.microsoft.com/office/drawing/2014/main" id="{D17CE0D5-8784-4B5B-80CF-CF9F2BA473E2}"/>
-              </a:ext>
-            </a:extLst>
-          </p:cNvPr>
-          <p:cNvPicPr>
-            <a:picLocks noChangeAspect="1"/>
-          </p:cNvPicPr>
-          <p:nvPr/>
-        </p:nvPicPr>
-        <p:blipFill>
-          <a:blip r:embed="rId2"/>
-          <a:stretch>
-            <a:fillRect/>
-          </a:stretch>
-        </p:blipFill>
-        <p:spPr>
-          <a:xfrm>
-            <a:off x="5552211" y="3429000"/>
-            <a:ext cx="5524056" cy="2378413"/>
-          </a:xfrm>
-          <a:prstGeom prst="rect">
-            <a:avLst/>
-          </a:prstGeom>
-        </p:spPr>
-      </p:pic>
-    </p:spTree>
-    <p:extLst>
-      <p:ext uri="{BB962C8B-B14F-4D97-AF65-F5344CB8AC3E}">
-        <p14:creationId xmlns:p14="http://schemas.microsoft.com/office/powerpoint/2010/main" val="3055294389"/>
       </p:ext>
     </p:extLst>
   </p:cSld>
@@ -4385,7 +5255,7 @@
           <p:cNvPr id="3" name="Content Placeholder 2">
             <a:extLst>
               <a:ext uri="{FF2B5EF4-FFF2-40B4-BE49-F238E27FC236}">
-                <a16:creationId xmlns:a16="http://schemas.microsoft.com/office/drawing/2014/main" id="{D9ADE2EA-0415-443D-B9D8-7FE5B3A9A82F}"/>
+                <a16:creationId xmlns:a16="http://schemas.microsoft.com/office/drawing/2014/main" id="{7A5A1B61-D05F-4843-821A-81A355FF1740}"/>
               </a:ext>
             </a:extLst>
           </p:cNvPr>
@@ -4403,56 +5273,42 @@
           <a:p>
             <a:r>
               <a:rPr lang="en-US" dirty="0"/>
-              <a:t>Random Forest</a:t>
-            </a:r>
-          </a:p>
-          <a:p>
-            <a:pPr lvl="1"/>
-            <a:r>
-              <a:rPr lang="en-US" dirty="0"/>
-              <a:t>99.2% correct classified, .07% incorrectly classified</a:t>
-            </a:r>
-          </a:p>
-          <a:p>
-            <a:pPr lvl="1"/>
-            <a:r>
-              <a:rPr lang="en-US" dirty="0"/>
-              <a:t>Precision = . 993</a:t>
-            </a:r>
-          </a:p>
-          <a:p>
-            <a:pPr lvl="1"/>
-            <a:r>
-              <a:rPr lang="en-US" dirty="0"/>
-              <a:t>Recall = .993</a:t>
-            </a:r>
-          </a:p>
-          <a:p>
-            <a:pPr lvl="1"/>
-            <a:r>
-              <a:rPr lang="en-US" dirty="0"/>
-              <a:t>F Measure = .993</a:t>
-            </a:r>
-          </a:p>
-          <a:p>
-            <a:pPr lvl="1"/>
-            <a:r>
-              <a:rPr lang="en-US" dirty="0"/>
-              <a:t>18 seconds to build model</a:t>
-            </a:r>
-          </a:p>
-          <a:p>
-            <a:pPr lvl="1"/>
-            <a:r>
-              <a:rPr lang="en-US" dirty="0"/>
-              <a:t>About 3 minutes to classify</a:t>
-            </a:r>
-          </a:p>
-          <a:p>
-            <a:pPr lvl="1"/>
-            <a:r>
-              <a:rPr lang="en-US" dirty="0"/>
-              <a:t>Excellent!</a:t>
+              <a:t>Random Tree</a:t>
+            </a:r>
+          </a:p>
+          <a:p>
+            <a:pPr lvl="1"/>
+            <a:r>
+              <a:rPr lang="en-US" dirty="0"/>
+              <a:t>97.1% correct classified, 2.8% incorrectly classified</a:t>
+            </a:r>
+          </a:p>
+          <a:p>
+            <a:pPr lvl="1"/>
+            <a:r>
+              <a:rPr lang="en-US" dirty="0"/>
+              <a:t>Precision = .973</a:t>
+            </a:r>
+          </a:p>
+          <a:p>
+            <a:pPr lvl="1"/>
+            <a:r>
+              <a:rPr lang="en-US" dirty="0"/>
+              <a:t>Recall = .972</a:t>
+            </a:r>
+          </a:p>
+          <a:p>
+            <a:pPr lvl="1"/>
+            <a:r>
+              <a:rPr lang="en-US" dirty="0"/>
+              <a:t>F Measure = .971</a:t>
+            </a:r>
+          </a:p>
+          <a:p>
+            <a:pPr lvl="1"/>
+            <a:r>
+              <a:rPr lang="en-US" dirty="0"/>
+              <a:t>Really good!</a:t>
             </a:r>
           </a:p>
           <a:p>
@@ -4465,7 +5321,7 @@
           <p:cNvPr id="4" name="Title 1">
             <a:extLst>
               <a:ext uri="{FF2B5EF4-FFF2-40B4-BE49-F238E27FC236}">
-                <a16:creationId xmlns:a16="http://schemas.microsoft.com/office/drawing/2014/main" id="{CB677E20-B5AC-4867-8B58-188C32644234}"/>
+                <a16:creationId xmlns:a16="http://schemas.microsoft.com/office/drawing/2014/main" id="{BD327D98-BF65-4138-AE4D-3D65B57214BE}"/>
               </a:ext>
             </a:extLst>
           </p:cNvPr>
@@ -4498,7 +5354,7 @@
           <p:cNvPr id="5" name="Picture 4">
             <a:extLst>
               <a:ext uri="{FF2B5EF4-FFF2-40B4-BE49-F238E27FC236}">
-                <a16:creationId xmlns:a16="http://schemas.microsoft.com/office/drawing/2014/main" id="{AF0A2DAB-FF38-4752-8234-D31EE24D1740}"/>
+                <a16:creationId xmlns:a16="http://schemas.microsoft.com/office/drawing/2014/main" id="{D17CE0D5-8784-4B5B-80CF-CF9F2BA473E2}"/>
               </a:ext>
             </a:extLst>
           </p:cNvPr>
@@ -4515,8 +5371,8 @@
         </p:blipFill>
         <p:spPr>
           <a:xfrm>
-            <a:off x="5933568" y="3019915"/>
-            <a:ext cx="5281312" cy="2242749"/>
+            <a:off x="5552211" y="3429000"/>
+            <a:ext cx="5524056" cy="2378413"/>
           </a:xfrm>
           <a:prstGeom prst="rect">
             <a:avLst/>
@@ -4526,7 +5382,7 @@
     </p:spTree>
     <p:extLst>
       <p:ext uri="{BB962C8B-B14F-4D97-AF65-F5344CB8AC3E}">
-        <p14:creationId xmlns:p14="http://schemas.microsoft.com/office/powerpoint/2010/main" val="2645786327"/>
+        <p14:creationId xmlns:p14="http://schemas.microsoft.com/office/powerpoint/2010/main" val="3055294389"/>
       </p:ext>
     </p:extLst>
   </p:cSld>

--- a/Slides/WekaSlides.pptx
+++ b/Slides/WekaSlides.pptx
@@ -274,7 +274,7 @@
           <a:p>
             <a:fld id="{679C5861-3D33-4114-B862-03C5384013CF}" type="datetimeFigureOut">
               <a:rPr lang="en-US" smtClean="0"/>
-              <a:t>12/3/2018</a:t>
+              <a:t>12/4/2018</a:t>
             </a:fld>
             <a:endParaRPr lang="en-US"/>
           </a:p>
@@ -472,7 +472,7 @@
           <a:p>
             <a:fld id="{679C5861-3D33-4114-B862-03C5384013CF}" type="datetimeFigureOut">
               <a:rPr lang="en-US" smtClean="0"/>
-              <a:t>12/3/2018</a:t>
+              <a:t>12/4/2018</a:t>
             </a:fld>
             <a:endParaRPr lang="en-US"/>
           </a:p>
@@ -680,7 +680,7 @@
           <a:p>
             <a:fld id="{679C5861-3D33-4114-B862-03C5384013CF}" type="datetimeFigureOut">
               <a:rPr lang="en-US" smtClean="0"/>
-              <a:t>12/3/2018</a:t>
+              <a:t>12/4/2018</a:t>
             </a:fld>
             <a:endParaRPr lang="en-US"/>
           </a:p>
@@ -878,7 +878,7 @@
           <a:p>
             <a:fld id="{679C5861-3D33-4114-B862-03C5384013CF}" type="datetimeFigureOut">
               <a:rPr lang="en-US" smtClean="0"/>
-              <a:t>12/3/2018</a:t>
+              <a:t>12/4/2018</a:t>
             </a:fld>
             <a:endParaRPr lang="en-US"/>
           </a:p>
@@ -1153,7 +1153,7 @@
           <a:p>
             <a:fld id="{679C5861-3D33-4114-B862-03C5384013CF}" type="datetimeFigureOut">
               <a:rPr lang="en-US" smtClean="0"/>
-              <a:t>12/3/2018</a:t>
+              <a:t>12/4/2018</a:t>
             </a:fld>
             <a:endParaRPr lang="en-US"/>
           </a:p>
@@ -1418,7 +1418,7 @@
           <a:p>
             <a:fld id="{679C5861-3D33-4114-B862-03C5384013CF}" type="datetimeFigureOut">
               <a:rPr lang="en-US" smtClean="0"/>
-              <a:t>12/3/2018</a:t>
+              <a:t>12/4/2018</a:t>
             </a:fld>
             <a:endParaRPr lang="en-US"/>
           </a:p>
@@ -1830,7 +1830,7 @@
           <a:p>
             <a:fld id="{679C5861-3D33-4114-B862-03C5384013CF}" type="datetimeFigureOut">
               <a:rPr lang="en-US" smtClean="0"/>
-              <a:t>12/3/2018</a:t>
+              <a:t>12/4/2018</a:t>
             </a:fld>
             <a:endParaRPr lang="en-US"/>
           </a:p>
@@ -1971,7 +1971,7 @@
           <a:p>
             <a:fld id="{679C5861-3D33-4114-B862-03C5384013CF}" type="datetimeFigureOut">
               <a:rPr lang="en-US" smtClean="0"/>
-              <a:t>12/3/2018</a:t>
+              <a:t>12/4/2018</a:t>
             </a:fld>
             <a:endParaRPr lang="en-US"/>
           </a:p>
@@ -2084,7 +2084,7 @@
           <a:p>
             <a:fld id="{679C5861-3D33-4114-B862-03C5384013CF}" type="datetimeFigureOut">
               <a:rPr lang="en-US" smtClean="0"/>
-              <a:t>12/3/2018</a:t>
+              <a:t>12/4/2018</a:t>
             </a:fld>
             <a:endParaRPr lang="en-US"/>
           </a:p>
@@ -2395,7 +2395,7 @@
           <a:p>
             <a:fld id="{679C5861-3D33-4114-B862-03C5384013CF}" type="datetimeFigureOut">
               <a:rPr lang="en-US" smtClean="0"/>
-              <a:t>12/3/2018</a:t>
+              <a:t>12/4/2018</a:t>
             </a:fld>
             <a:endParaRPr lang="en-US"/>
           </a:p>
@@ -2683,7 +2683,7 @@
           <a:p>
             <a:fld id="{679C5861-3D33-4114-B862-03C5384013CF}" type="datetimeFigureOut">
               <a:rPr lang="en-US" smtClean="0"/>
-              <a:t>12/3/2018</a:t>
+              <a:t>12/4/2018</a:t>
             </a:fld>
             <a:endParaRPr lang="en-US"/>
           </a:p>
@@ -2924,7 +2924,7 @@
           <a:p>
             <a:fld id="{679C5861-3D33-4114-B862-03C5384013CF}" type="datetimeFigureOut">
               <a:rPr lang="en-US" smtClean="0"/>
-              <a:t>12/3/2018</a:t>
+              <a:t>12/4/2018</a:t>
             </a:fld>
             <a:endParaRPr lang="en-US"/>
           </a:p>
@@ -3492,42 +3492,42 @@
             <a:pPr lvl="1"/>
             <a:r>
               <a:rPr lang="en-US" dirty="0"/>
-              <a:t>99.2% correct classified, .07% incorrectly classified</a:t>
-            </a:r>
-          </a:p>
-          <a:p>
-            <a:pPr lvl="1"/>
-            <a:r>
-              <a:rPr lang="en-US" dirty="0"/>
-              <a:t>Precision = . 993</a:t>
-            </a:r>
-          </a:p>
-          <a:p>
-            <a:pPr lvl="1"/>
-            <a:r>
-              <a:rPr lang="en-US" dirty="0"/>
-              <a:t>Recall = .993</a:t>
-            </a:r>
-          </a:p>
-          <a:p>
-            <a:pPr lvl="1"/>
-            <a:r>
-              <a:rPr lang="en-US" dirty="0"/>
-              <a:t>F Measure = .993</a:t>
-            </a:r>
-          </a:p>
-          <a:p>
-            <a:pPr lvl="1"/>
-            <a:r>
-              <a:rPr lang="en-US" dirty="0"/>
-              <a:t>18 seconds to build model</a:t>
-            </a:r>
-          </a:p>
-          <a:p>
-            <a:pPr lvl="1"/>
-            <a:r>
-              <a:rPr lang="en-US" dirty="0"/>
-              <a:t>About 3 minutes to classify</a:t>
+              <a:t>98% correct classified, 2% incorrectly classified</a:t>
+            </a:r>
+          </a:p>
+          <a:p>
+            <a:pPr lvl="1"/>
+            <a:r>
+              <a:rPr lang="en-US" dirty="0"/>
+              <a:t>Precision = . 980</a:t>
+            </a:r>
+          </a:p>
+          <a:p>
+            <a:pPr lvl="1"/>
+            <a:r>
+              <a:rPr lang="en-US" dirty="0"/>
+              <a:t>Recall = .980</a:t>
+            </a:r>
+          </a:p>
+          <a:p>
+            <a:pPr lvl="1"/>
+            <a:r>
+              <a:rPr lang="en-US" dirty="0"/>
+              <a:t>F Measure = .980</a:t>
+            </a:r>
+          </a:p>
+          <a:p>
+            <a:pPr lvl="1"/>
+            <a:r>
+              <a:rPr lang="en-US" dirty="0"/>
+              <a:t>20 seconds to build model</a:t>
+            </a:r>
+          </a:p>
+          <a:p>
+            <a:pPr lvl="1"/>
+            <a:r>
+              <a:rPr lang="en-US" dirty="0"/>
+              <a:t>About 6 minutes to classify</a:t>
             </a:r>
           </a:p>
           <a:p>
@@ -3577,10 +3577,10 @@
       </p:sp>
       <p:pic>
         <p:nvPicPr>
-          <p:cNvPr id="5" name="Picture 4">
-            <a:extLst>
-              <a:ext uri="{FF2B5EF4-FFF2-40B4-BE49-F238E27FC236}">
-                <a16:creationId xmlns:a16="http://schemas.microsoft.com/office/drawing/2014/main" id="{AF0A2DAB-FF38-4752-8234-D31EE24D1740}"/>
+          <p:cNvPr id="2" name="Picture 1">
+            <a:extLst>
+              <a:ext uri="{FF2B5EF4-FFF2-40B4-BE49-F238E27FC236}">
+                <a16:creationId xmlns:a16="http://schemas.microsoft.com/office/drawing/2014/main" id="{9FA38AEA-0CB2-499D-9265-BA0DDF6541A3}"/>
               </a:ext>
             </a:extLst>
           </p:cNvPr>
@@ -3597,8 +3597,8 @@
         </p:blipFill>
         <p:spPr>
           <a:xfrm>
-            <a:off x="5933568" y="3019915"/>
-            <a:ext cx="5281312" cy="2242749"/>
+            <a:off x="5532233" y="3539892"/>
+            <a:ext cx="6427853" cy="2315624"/>
           </a:xfrm>
           <a:prstGeom prst="rect">
             <a:avLst/>
@@ -5011,28 +5011,28 @@
             <a:pPr lvl="1"/>
             <a:r>
               <a:rPr lang="en-US" dirty="0"/>
-              <a:t>66.9% correct classified, 33.1% incorrectly classified</a:t>
-            </a:r>
-          </a:p>
-          <a:p>
-            <a:pPr lvl="1"/>
-            <a:r>
-              <a:rPr lang="en-US" dirty="0"/>
-              <a:t>Precision = .663</a:t>
-            </a:r>
-          </a:p>
-          <a:p>
-            <a:pPr lvl="1"/>
-            <a:r>
-              <a:rPr lang="en-US" dirty="0"/>
-              <a:t>Recall = .669</a:t>
-            </a:r>
-          </a:p>
-          <a:p>
-            <a:pPr lvl="1"/>
-            <a:r>
-              <a:rPr lang="en-US" dirty="0"/>
-              <a:t>F Measure = .662</a:t>
+              <a:t>57.3% correct classified, 42.7% incorrectly classified</a:t>
+            </a:r>
+          </a:p>
+          <a:p>
+            <a:pPr lvl="1"/>
+            <a:r>
+              <a:rPr lang="en-US" dirty="0"/>
+              <a:t>Precision = .557</a:t>
+            </a:r>
+          </a:p>
+          <a:p>
+            <a:pPr lvl="1"/>
+            <a:r>
+              <a:rPr lang="en-US" dirty="0"/>
+              <a:t>Recall = .573</a:t>
+            </a:r>
+          </a:p>
+          <a:p>
+            <a:pPr lvl="1"/>
+            <a:r>
+              <a:rPr lang="en-US" dirty="0"/>
+              <a:t>F Measure = .558</a:t>
             </a:r>
           </a:p>
           <a:p>
@@ -5050,10 +5050,10 @@
       </p:sp>
       <p:pic>
         <p:nvPicPr>
-          <p:cNvPr id="4" name="Picture 3">
-            <a:extLst>
-              <a:ext uri="{FF2B5EF4-FFF2-40B4-BE49-F238E27FC236}">
-                <a16:creationId xmlns:a16="http://schemas.microsoft.com/office/drawing/2014/main" id="{5F5CAE99-9F6D-43F4-98BF-40F0CDBD1047}"/>
+          <p:cNvPr id="5" name="Picture 4">
+            <a:extLst>
+              <a:ext uri="{FF2B5EF4-FFF2-40B4-BE49-F238E27FC236}">
+                <a16:creationId xmlns:a16="http://schemas.microsoft.com/office/drawing/2014/main" id="{8DFD7746-2E2A-47A7-9646-7D5812AF15AB}"/>
               </a:ext>
             </a:extLst>
           </p:cNvPr>
@@ -5070,8 +5070,8 @@
         </p:blipFill>
         <p:spPr>
           <a:xfrm>
-            <a:off x="5098410" y="3418514"/>
-            <a:ext cx="6465664" cy="2758449"/>
+            <a:off x="4771506" y="3416847"/>
+            <a:ext cx="7304116" cy="2377723"/>
           </a:xfrm>
           <a:prstGeom prst="rect">
             <a:avLst/>
@@ -5138,14 +5138,14 @@
             <a:pPr lvl="1"/>
             <a:r>
               <a:rPr lang="en-US" dirty="0"/>
-              <a:t>35.3% correct classified, 64.7% incorrectly classified</a:t>
-            </a:r>
-          </a:p>
-          <a:p>
-            <a:pPr lvl="1"/>
-            <a:r>
-              <a:rPr lang="en-US" dirty="0"/>
-              <a:t>Recall = .353</a:t>
+              <a:t>29.2% correct classified, 70.8% incorrectly classified</a:t>
+            </a:r>
+          </a:p>
+          <a:p>
+            <a:pPr lvl="1"/>
+            <a:r>
+              <a:rPr lang="en-US" dirty="0"/>
+              <a:t>Recall = .292</a:t>
             </a:r>
           </a:p>
           <a:p>
@@ -5153,16 +5153,49 @@
             <a:r>
               <a:rPr lang="en-US" dirty="0"/>
               <a:t>Pretty bad…</a:t>
+            </a:r>
+          </a:p>
+        </p:txBody>
+      </p:sp>
+      <p:sp>
+        <p:nvSpPr>
+          <p:cNvPr id="5" name="Title 1">
+            <a:extLst>
+              <a:ext uri="{FF2B5EF4-FFF2-40B4-BE49-F238E27FC236}">
+                <a16:creationId xmlns:a16="http://schemas.microsoft.com/office/drawing/2014/main" id="{75B3FEB1-1A7B-49DC-A110-3BB00C12DF53}"/>
+              </a:ext>
+            </a:extLst>
+          </p:cNvPr>
+          <p:cNvSpPr>
+            <a:spLocks noGrp="1"/>
+          </p:cNvSpPr>
+          <p:nvPr>
+            <p:ph type="title"/>
+          </p:nvPr>
+        </p:nvSpPr>
+        <p:spPr>
+          <a:xfrm>
+            <a:off x="838200" y="365125"/>
+            <a:ext cx="10515600" cy="1325563"/>
+          </a:xfrm>
+        </p:spPr>
+        <p:txBody>
+          <a:bodyPr/>
+          <a:lstStyle/>
+          <a:p>
+            <a:r>
+              <a:rPr lang="en-US" dirty="0"/>
+              <a:t>Results of Classification</a:t>
             </a:r>
           </a:p>
         </p:txBody>
       </p:sp>
       <p:pic>
         <p:nvPicPr>
-          <p:cNvPr id="4" name="Picture 3">
-            <a:extLst>
-              <a:ext uri="{FF2B5EF4-FFF2-40B4-BE49-F238E27FC236}">
-                <a16:creationId xmlns:a16="http://schemas.microsoft.com/office/drawing/2014/main" id="{28F10048-E5A0-42FD-83E8-BF9DC03595C5}"/>
+          <p:cNvPr id="2" name="Picture 1">
+            <a:extLst>
+              <a:ext uri="{FF2B5EF4-FFF2-40B4-BE49-F238E27FC236}">
+                <a16:creationId xmlns:a16="http://schemas.microsoft.com/office/drawing/2014/main" id="{A7504D72-74B9-435D-A43B-515958D49785}"/>
               </a:ext>
             </a:extLst>
           </p:cNvPr>
@@ -5179,47 +5212,14 @@
         </p:blipFill>
         <p:spPr>
           <a:xfrm>
-            <a:off x="5510315" y="3429000"/>
-            <a:ext cx="5687522" cy="2343759"/>
+            <a:off x="3905163" y="3284565"/>
+            <a:ext cx="7984945" cy="2667348"/>
           </a:xfrm>
           <a:prstGeom prst="rect">
             <a:avLst/>
           </a:prstGeom>
         </p:spPr>
       </p:pic>
-      <p:sp>
-        <p:nvSpPr>
-          <p:cNvPr id="5" name="Title 1">
-            <a:extLst>
-              <a:ext uri="{FF2B5EF4-FFF2-40B4-BE49-F238E27FC236}">
-                <a16:creationId xmlns:a16="http://schemas.microsoft.com/office/drawing/2014/main" id="{75B3FEB1-1A7B-49DC-A110-3BB00C12DF53}"/>
-              </a:ext>
-            </a:extLst>
-          </p:cNvPr>
-          <p:cNvSpPr>
-            <a:spLocks noGrp="1"/>
-          </p:cNvSpPr>
-          <p:nvPr>
-            <p:ph type="title"/>
-          </p:nvPr>
-        </p:nvSpPr>
-        <p:spPr>
-          <a:xfrm>
-            <a:off x="838200" y="365125"/>
-            <a:ext cx="10515600" cy="1325563"/>
-          </a:xfrm>
-        </p:spPr>
-        <p:txBody>
-          <a:bodyPr/>
-          <a:lstStyle/>
-          <a:p>
-            <a:r>
-              <a:rPr lang="en-US" dirty="0"/>
-              <a:t>Results of Classification</a:t>
-            </a:r>
-          </a:p>
-        </p:txBody>
-      </p:sp>
     </p:spTree>
     <p:extLst>
       <p:ext uri="{BB962C8B-B14F-4D97-AF65-F5344CB8AC3E}">
@@ -5280,28 +5280,28 @@
             <a:pPr lvl="1"/>
             <a:r>
               <a:rPr lang="en-US" dirty="0"/>
-              <a:t>97.1% correct classified, 2.8% incorrectly classified</a:t>
-            </a:r>
-          </a:p>
-          <a:p>
-            <a:pPr lvl="1"/>
-            <a:r>
-              <a:rPr lang="en-US" dirty="0"/>
-              <a:t>Precision = .973</a:t>
-            </a:r>
-          </a:p>
-          <a:p>
-            <a:pPr lvl="1"/>
-            <a:r>
-              <a:rPr lang="en-US" dirty="0"/>
-              <a:t>Recall = .972</a:t>
-            </a:r>
-          </a:p>
-          <a:p>
-            <a:pPr lvl="1"/>
-            <a:r>
-              <a:rPr lang="en-US" dirty="0"/>
-              <a:t>F Measure = .971</a:t>
+              <a:t>96.2% correct classified, 3.8% incorrectly classified</a:t>
+            </a:r>
+          </a:p>
+          <a:p>
+            <a:pPr lvl="1"/>
+            <a:r>
+              <a:rPr lang="en-US" dirty="0"/>
+              <a:t>Precision = .964</a:t>
+            </a:r>
+          </a:p>
+          <a:p>
+            <a:pPr lvl="1"/>
+            <a:r>
+              <a:rPr lang="en-US" dirty="0"/>
+              <a:t>Recall = .962</a:t>
+            </a:r>
+          </a:p>
+          <a:p>
+            <a:pPr lvl="1"/>
+            <a:r>
+              <a:rPr lang="en-US" dirty="0"/>
+              <a:t>F Measure = .961</a:t>
             </a:r>
           </a:p>
           <a:p>
@@ -5351,10 +5351,10 @@
       </p:sp>
       <p:pic>
         <p:nvPicPr>
-          <p:cNvPr id="5" name="Picture 4">
-            <a:extLst>
-              <a:ext uri="{FF2B5EF4-FFF2-40B4-BE49-F238E27FC236}">
-                <a16:creationId xmlns:a16="http://schemas.microsoft.com/office/drawing/2014/main" id="{D17CE0D5-8784-4B5B-80CF-CF9F2BA473E2}"/>
+          <p:cNvPr id="2" name="Picture 1">
+            <a:extLst>
+              <a:ext uri="{FF2B5EF4-FFF2-40B4-BE49-F238E27FC236}">
+                <a16:creationId xmlns:a16="http://schemas.microsoft.com/office/drawing/2014/main" id="{55853F85-24B1-45F4-B33A-8466E40A5FCD}"/>
               </a:ext>
             </a:extLst>
           </p:cNvPr>
@@ -5371,8 +5371,8 @@
         </p:blipFill>
         <p:spPr>
           <a:xfrm>
-            <a:off x="5552211" y="3429000"/>
-            <a:ext cx="5524056" cy="2378413"/>
+            <a:off x="4236598" y="3429000"/>
+            <a:ext cx="7556674" cy="2513486"/>
           </a:xfrm>
           <a:prstGeom prst="rect">
             <a:avLst/>
